--- a/CFPB.pptx
+++ b/CFPB.pptx
@@ -307,7 +307,7 @@
           <a:p>
             <a:fld id="{15A582CC-77D4-4405-8069-CA983C35F12D}" type="datetimeFigureOut">
               <a:rPr lang="en-US" smtClean="0"/>
-              <a:t>9/20/2015</a:t>
+              <a:t>10/6/2015</a:t>
             </a:fld>
             <a:endParaRPr lang="en-US"/>
           </a:p>
@@ -572,7 +572,7 @@
           <a:p>
             <a:fld id="{15A582CC-77D4-4405-8069-CA983C35F12D}" type="datetimeFigureOut">
               <a:rPr lang="en-US" smtClean="0"/>
-              <a:t>9/20/2015</a:t>
+              <a:t>10/6/2015</a:t>
             </a:fld>
             <a:endParaRPr lang="en-US"/>
           </a:p>
@@ -747,7 +747,7 @@
           <a:p>
             <a:fld id="{15A582CC-77D4-4405-8069-CA983C35F12D}" type="datetimeFigureOut">
               <a:rPr lang="en-US" smtClean="0"/>
-              <a:t>9/20/2015</a:t>
+              <a:t>10/6/2015</a:t>
             </a:fld>
             <a:endParaRPr lang="en-US"/>
           </a:p>
@@ -912,7 +912,7 @@
           <a:p>
             <a:fld id="{15A582CC-77D4-4405-8069-CA983C35F12D}" type="datetimeFigureOut">
               <a:rPr lang="en-US" smtClean="0"/>
-              <a:t>9/20/2015</a:t>
+              <a:t>10/6/2015</a:t>
             </a:fld>
             <a:endParaRPr lang="en-US"/>
           </a:p>
@@ -1161,7 +1161,7 @@
           <a:p>
             <a:fld id="{15A582CC-77D4-4405-8069-CA983C35F12D}" type="datetimeFigureOut">
               <a:rPr lang="en-US" smtClean="0"/>
-              <a:t>9/20/2015</a:t>
+              <a:t>10/6/2015</a:t>
             </a:fld>
             <a:endParaRPr lang="en-US"/>
           </a:p>
@@ -1444,7 +1444,7 @@
           <a:p>
             <a:fld id="{15A582CC-77D4-4405-8069-CA983C35F12D}" type="datetimeFigureOut">
               <a:rPr lang="en-US" smtClean="0"/>
-              <a:t>9/20/2015</a:t>
+              <a:t>10/6/2015</a:t>
             </a:fld>
             <a:endParaRPr lang="en-US"/>
           </a:p>
@@ -1883,7 +1883,7 @@
           <a:p>
             <a:fld id="{15A582CC-77D4-4405-8069-CA983C35F12D}" type="datetimeFigureOut">
               <a:rPr lang="en-US" smtClean="0"/>
-              <a:t>9/20/2015</a:t>
+              <a:t>10/6/2015</a:t>
             </a:fld>
             <a:endParaRPr lang="en-US"/>
           </a:p>
@@ -1996,7 +1996,7 @@
           <a:p>
             <a:fld id="{15A582CC-77D4-4405-8069-CA983C35F12D}" type="datetimeFigureOut">
               <a:rPr lang="en-US" smtClean="0"/>
-              <a:t>9/20/2015</a:t>
+              <a:t>10/6/2015</a:t>
             </a:fld>
             <a:endParaRPr lang="en-US"/>
           </a:p>
@@ -2086,7 +2086,7 @@
           <a:p>
             <a:fld id="{15A582CC-77D4-4405-8069-CA983C35F12D}" type="datetimeFigureOut">
               <a:rPr lang="en-US" smtClean="0"/>
-              <a:t>9/20/2015</a:t>
+              <a:t>10/6/2015</a:t>
             </a:fld>
             <a:endParaRPr lang="en-US"/>
           </a:p>
@@ -2328,7 +2328,7 @@
           <a:p>
             <a:fld id="{15A582CC-77D4-4405-8069-CA983C35F12D}" type="datetimeFigureOut">
               <a:rPr lang="en-US" smtClean="0"/>
-              <a:t>9/20/2015</a:t>
+              <a:t>10/6/2015</a:t>
             </a:fld>
             <a:endParaRPr lang="en-US"/>
           </a:p>
@@ -2622,7 +2622,7 @@
           <a:p>
             <a:fld id="{15A582CC-77D4-4405-8069-CA983C35F12D}" type="datetimeFigureOut">
               <a:rPr lang="en-US" smtClean="0"/>
-              <a:t>9/20/2015</a:t>
+              <a:t>10/6/2015</a:t>
             </a:fld>
             <a:endParaRPr lang="en-US"/>
           </a:p>
@@ -2916,7 +2916,7 @@
           <a:p>
             <a:fld id="{15A582CC-77D4-4405-8069-CA983C35F12D}" type="datetimeFigureOut">
               <a:rPr lang="en-US" smtClean="0"/>
-              <a:t>9/20/2015</a:t>
+              <a:t>10/6/2015</a:t>
             </a:fld>
             <a:endParaRPr lang="en-US"/>
           </a:p>
